--- a/Batch-10/Proff Lecture Material/4. AWS Signup.pptx
+++ b/Batch-10/Proff Lecture Material/4. AWS Signup.pptx
@@ -5,18 +5,19 @@
     <p:sldMasterId id="2147483660" r:id="rId1"/>
   </p:sldMasterIdLst>
   <p:notesMasterIdLst>
-    <p:notesMasterId r:id="rId11"/>
+    <p:notesMasterId r:id="rId12"/>
   </p:notesMasterIdLst>
   <p:sldIdLst>
     <p:sldId id="256" r:id="rId2"/>
     <p:sldId id="257" r:id="rId3"/>
     <p:sldId id="258" r:id="rId4"/>
-    <p:sldId id="259" r:id="rId5"/>
-    <p:sldId id="261" r:id="rId6"/>
-    <p:sldId id="262" r:id="rId7"/>
-    <p:sldId id="263" r:id="rId8"/>
-    <p:sldId id="264" r:id="rId9"/>
-    <p:sldId id="265" r:id="rId10"/>
+    <p:sldId id="266" r:id="rId5"/>
+    <p:sldId id="259" r:id="rId6"/>
+    <p:sldId id="261" r:id="rId7"/>
+    <p:sldId id="262" r:id="rId8"/>
+    <p:sldId id="263" r:id="rId9"/>
+    <p:sldId id="264" r:id="rId10"/>
+    <p:sldId id="265" r:id="rId11"/>
   </p:sldIdLst>
   <p:sldSz cx="9144000" cy="6858000" type="screen4x3"/>
   <p:notesSz cx="6858000" cy="9144000"/>
@@ -229,7 +230,7 @@
             <a:fld id="{AD75EC4F-A4FF-4EC3-91D6-11BA9A50712C}" type="datetimeFigureOut">
               <a:rPr lang="en-US" smtClean="0"/>
               <a:pPr/>
-              <a:t>2/2/2022</a:t>
+              <a:t>1/12/2023</a:t>
             </a:fld>
             <a:endParaRPr lang="en-US"/>
           </a:p>
@@ -562,7 +563,7 @@
             <a:fld id="{DEE41553-07B9-4F0F-8377-0B3F319669FB}" type="slidenum">
               <a:rPr lang="en-US" smtClean="0"/>
               <a:pPr/>
-              <a:t>5</a:t>
+              <a:t>6</a:t>
             </a:fld>
             <a:endParaRPr lang="en-US"/>
           </a:p>
@@ -748,7 +749,7 @@
             <a:fld id="{97F9FE86-6232-4B82-85E4-3ABB51E5B8DE}" type="datetimeFigureOut">
               <a:rPr lang="en-US" smtClean="0"/>
               <a:pPr/>
-              <a:t>2/2/2022</a:t>
+              <a:t>1/12/2023</a:t>
             </a:fld>
             <a:endParaRPr lang="en-US"/>
           </a:p>
@@ -914,7 +915,7 @@
             <a:fld id="{97F9FE86-6232-4B82-85E4-3ABB51E5B8DE}" type="datetimeFigureOut">
               <a:rPr lang="en-US" smtClean="0"/>
               <a:pPr/>
-              <a:t>2/2/2022</a:t>
+              <a:t>1/12/2023</a:t>
             </a:fld>
             <a:endParaRPr lang="en-US"/>
           </a:p>
@@ -1090,7 +1091,7 @@
             <a:fld id="{97F9FE86-6232-4B82-85E4-3ABB51E5B8DE}" type="datetimeFigureOut">
               <a:rPr lang="en-US" smtClean="0"/>
               <a:pPr/>
-              <a:t>2/2/2022</a:t>
+              <a:t>1/12/2023</a:t>
             </a:fld>
             <a:endParaRPr lang="en-US"/>
           </a:p>
@@ -1256,7 +1257,7 @@
             <a:fld id="{97F9FE86-6232-4B82-85E4-3ABB51E5B8DE}" type="datetimeFigureOut">
               <a:rPr lang="en-US" smtClean="0"/>
               <a:pPr/>
-              <a:t>2/2/2022</a:t>
+              <a:t>1/12/2023</a:t>
             </a:fld>
             <a:endParaRPr lang="en-US"/>
           </a:p>
@@ -1499,7 +1500,7 @@
             <a:fld id="{97F9FE86-6232-4B82-85E4-3ABB51E5B8DE}" type="datetimeFigureOut">
               <a:rPr lang="en-US" smtClean="0"/>
               <a:pPr/>
-              <a:t>2/2/2022</a:t>
+              <a:t>1/12/2023</a:t>
             </a:fld>
             <a:endParaRPr lang="en-US"/>
           </a:p>
@@ -1764,7 +1765,7 @@
             <a:fld id="{97F9FE86-6232-4B82-85E4-3ABB51E5B8DE}" type="datetimeFigureOut">
               <a:rPr lang="en-US" smtClean="0"/>
               <a:pPr/>
-              <a:t>2/2/2022</a:t>
+              <a:t>1/12/2023</a:t>
             </a:fld>
             <a:endParaRPr lang="en-US"/>
           </a:p>
@@ -2143,7 +2144,7 @@
             <a:fld id="{97F9FE86-6232-4B82-85E4-3ABB51E5B8DE}" type="datetimeFigureOut">
               <a:rPr lang="en-US" smtClean="0"/>
               <a:pPr/>
-              <a:t>2/2/2022</a:t>
+              <a:t>1/12/2023</a:t>
             </a:fld>
             <a:endParaRPr lang="en-US"/>
           </a:p>
@@ -2294,7 +2295,7 @@
             <a:fld id="{97F9FE86-6232-4B82-85E4-3ABB51E5B8DE}" type="datetimeFigureOut">
               <a:rPr lang="en-US" smtClean="0"/>
               <a:pPr/>
-              <a:t>2/2/2022</a:t>
+              <a:t>1/12/2023</a:t>
             </a:fld>
             <a:endParaRPr lang="en-US"/>
           </a:p>
@@ -2386,7 +2387,7 @@
             <a:fld id="{97F9FE86-6232-4B82-85E4-3ABB51E5B8DE}" type="datetimeFigureOut">
               <a:rPr lang="en-US" smtClean="0"/>
               <a:pPr/>
-              <a:t>2/2/2022</a:t>
+              <a:t>1/12/2023</a:t>
             </a:fld>
             <a:endParaRPr lang="en-US"/>
           </a:p>
@@ -2648,7 +2649,7 @@
             <a:fld id="{97F9FE86-6232-4B82-85E4-3ABB51E5B8DE}" type="datetimeFigureOut">
               <a:rPr lang="en-US" smtClean="0"/>
               <a:pPr/>
-              <a:t>2/2/2022</a:t>
+              <a:t>1/12/2023</a:t>
             </a:fld>
             <a:endParaRPr lang="en-US"/>
           </a:p>
@@ -2937,7 +2938,7 @@
             <a:fld id="{97F9FE86-6232-4B82-85E4-3ABB51E5B8DE}" type="datetimeFigureOut">
               <a:rPr lang="en-US" smtClean="0"/>
               <a:pPr/>
-              <a:t>2/2/2022</a:t>
+              <a:t>1/12/2023</a:t>
             </a:fld>
             <a:endParaRPr lang="en-US"/>
           </a:p>
@@ -3708,7 +3709,7 @@
             <a:fld id="{97F9FE86-6232-4B82-85E4-3ABB51E5B8DE}" type="datetimeFigureOut">
               <a:rPr lang="en-US" smtClean="0"/>
               <a:pPr/>
-              <a:t>2/2/2022</a:t>
+              <a:t>1/12/2023</a:t>
             </a:fld>
             <a:endParaRPr lang="en-US"/>
           </a:p>
@@ -4337,18 +4338,136 @@
             <p:ph type="ctrTitle"/>
           </p:nvPr>
         </p:nvSpPr>
-        <p:spPr/>
-        <p:txBody>
-          <a:bodyPr/>
+        <p:spPr>
+          <a:xfrm>
+            <a:off x="533400" y="1371600"/>
+            <a:ext cx="7851648" cy="3657600"/>
+          </a:xfrm>
+        </p:spPr>
+        <p:txBody>
+          <a:bodyPr>
+            <a:normAutofit/>
+          </a:bodyPr>
           <a:lstStyle/>
           <a:p>
             <a:r>
+              <a:rPr lang="en-US" sz="6000" dirty="0">
+                <a:solidFill>
+                  <a:srgbClr val="FFC000"/>
+                </a:solidFill>
+              </a:rPr>
+              <a:t>TNGS Learning Solutions</a:t>
+            </a:r>
+            <a:br>
+              <a:rPr lang="en-US" sz="6000" dirty="0">
+                <a:solidFill>
+                  <a:srgbClr val="FFC000"/>
+                </a:solidFill>
+              </a:rPr>
+            </a:br>
+            <a:br>
+              <a:rPr lang="en-US" sz="6000" dirty="0">
+                <a:solidFill>
+                  <a:srgbClr val="FFC000"/>
+                </a:solidFill>
+              </a:rPr>
+            </a:br>
+            <a:r>
+              <a:rPr lang="en-US" sz="6000" dirty="0">
+                <a:solidFill>
+                  <a:srgbClr val="FFC000"/>
+                </a:solidFill>
+              </a:rPr>
+              <a:t>AWS Signup</a:t>
+            </a:r>
+          </a:p>
+        </p:txBody>
+      </p:sp>
+    </p:spTree>
+  </p:cSld>
+  <p:clrMapOvr>
+    <a:masterClrMapping/>
+  </p:clrMapOvr>
+</p:sld>
+</file>
+
+<file path=ppt/slides/slide10.xml><?xml version="1.0" encoding="utf-8"?>
+<p:sld xmlns:a="http://schemas.openxmlformats.org/drawingml/2006/main" xmlns:r="http://schemas.openxmlformats.org/officeDocument/2006/relationships" xmlns:p="http://schemas.openxmlformats.org/presentationml/2006/main">
+  <p:cSld>
+    <p:spTree>
+      <p:nvGrpSpPr>
+        <p:cNvPr id="1" name=""/>
+        <p:cNvGrpSpPr/>
+        <p:nvPr/>
+      </p:nvGrpSpPr>
+      <p:grpSpPr>
+        <a:xfrm>
+          <a:off x="0" y="0"/>
+          <a:ext cx="0" cy="0"/>
+          <a:chOff x="0" y="0"/>
+          <a:chExt cx="0" cy="0"/>
+        </a:xfrm>
+      </p:grpSpPr>
+      <p:sp>
+        <p:nvSpPr>
+          <p:cNvPr id="2" name="Rectangle 1"/>
+          <p:cNvSpPr/>
+          <p:nvPr/>
+        </p:nvSpPr>
+        <p:spPr>
+          <a:xfrm>
+            <a:off x="762000" y="5943600"/>
+            <a:ext cx="7391400" cy="369332"/>
+          </a:xfrm>
+          <a:prstGeom prst="rect">
+            <a:avLst/>
+          </a:prstGeom>
+        </p:spPr>
+        <p:txBody>
+          <a:bodyPr wrap="square">
+            <a:spAutoFit/>
+          </a:bodyPr>
+          <a:lstStyle/>
+          <a:p>
+            <a:r>
               <a:rPr lang="en-US" dirty="0"/>
-              <a:t>AWS Signup</a:t>
-            </a:r>
-          </a:p>
-        </p:txBody>
-      </p:sp>
+              <a:t>Once signed in you will get in to AWS console look like above. </a:t>
+            </a:r>
+          </a:p>
+        </p:txBody>
+      </p:sp>
+      <p:pic>
+        <p:nvPicPr>
+          <p:cNvPr id="9218" name="Picture 2"/>
+          <p:cNvPicPr>
+            <a:picLocks noChangeAspect="1" noChangeArrowheads="1"/>
+          </p:cNvPicPr>
+          <p:nvPr/>
+        </p:nvPicPr>
+        <p:blipFill>
+          <a:blip r:embed="rId2" cstate="print"/>
+          <a:srcRect/>
+          <a:stretch>
+            <a:fillRect/>
+          </a:stretch>
+        </p:blipFill>
+        <p:spPr bwMode="auto">
+          <a:xfrm>
+            <a:off x="762000" y="914400"/>
+            <a:ext cx="7696200" cy="4724400"/>
+          </a:xfrm>
+          <a:prstGeom prst="rect">
+            <a:avLst/>
+          </a:prstGeom>
+          <a:noFill/>
+          <a:ln w="9525">
+            <a:noFill/>
+            <a:miter lim="800000"/>
+            <a:headEnd/>
+            <a:tailEnd/>
+          </a:ln>
+        </p:spPr>
+      </p:pic>
     </p:spTree>
   </p:cSld>
   <p:clrMapOvr>
@@ -4396,6 +4515,7 @@
           </a:bodyPr>
           <a:lstStyle/>
           <a:p>
+            <a:pPr algn="ctr"/>
             <a:r>
               <a:rPr lang="en-US" sz="3600" b="1" dirty="0"/>
               <a:t>AWS signup step by step process </a:t>
@@ -4435,7 +4555,7 @@
               <a:rPr lang="en-US" sz="2000" dirty="0">
                 <a:hlinkClick r:id="rId2"/>
               </a:rPr>
-              <a:t>https://portal.aws.amazon.com/billing/signup#/start</a:t>
+              <a:t>https://portal.aws.amazon.com/billing/signup#/start/email</a:t>
             </a:r>
             <a:endParaRPr lang="en-US" sz="2000" dirty="0"/>
           </a:p>
@@ -4461,29 +4581,7 @@
             </a:pPr>
             <a:r>
               <a:rPr lang="en-US" sz="1800" dirty="0"/>
-              <a:t>Email address </a:t>
-            </a:r>
-          </a:p>
-          <a:p>
-            <a:pPr lvl="1">
-              <a:lnSpc>
-                <a:spcPct val="120000"/>
-              </a:lnSpc>
-            </a:pPr>
-            <a:r>
-              <a:rPr lang="en-US" sz="1800" dirty="0"/>
-              <a:t>Password</a:t>
-            </a:r>
-          </a:p>
-          <a:p>
-            <a:pPr lvl="1">
-              <a:lnSpc>
-                <a:spcPct val="120000"/>
-              </a:lnSpc>
-            </a:pPr>
-            <a:r>
-              <a:rPr lang="en-US" sz="1800" dirty="0"/>
-              <a:t>Confirm password</a:t>
+              <a:t>Root user email address</a:t>
             </a:r>
           </a:p>
           <a:p>
@@ -4506,7 +4604,42 @@
             </a:pPr>
             <a:r>
               <a:rPr lang="en-US" sz="2400" b="1" dirty="0"/>
-              <a:t>Click on Continue. </a:t>
+              <a:t>Click on Verify email Address</a:t>
+            </a:r>
+          </a:p>
+          <a:p>
+            <a:pPr marL="370332" indent="-342900">
+              <a:lnSpc>
+                <a:spcPct val="120000"/>
+              </a:lnSpc>
+            </a:pPr>
+            <a:r>
+              <a:rPr lang="en-US" sz="2400" dirty="0"/>
+              <a:t>Check your email and </a:t>
+            </a:r>
+          </a:p>
+          <a:p>
+            <a:pPr marL="27432" indent="0">
+              <a:lnSpc>
+                <a:spcPct val="120000"/>
+              </a:lnSpc>
+              <a:buNone/>
+            </a:pPr>
+            <a:r>
+              <a:rPr lang="en-US" sz="2400" dirty="0"/>
+              <a:t>Provide Verification Code</a:t>
+            </a:r>
+          </a:p>
+          <a:p>
+            <a:pPr marL="27432" indent="0">
+              <a:lnSpc>
+                <a:spcPct val="120000"/>
+              </a:lnSpc>
+              <a:buNone/>
+            </a:pPr>
+            <a:r>
+              <a:rPr lang="en-US" sz="2400" b="1" dirty="0"/>
+              <a:t>Click on Verify  </a:t>
             </a:r>
             <a:endParaRPr lang="en-US" sz="2000" dirty="0"/>
           </a:p>
@@ -4600,10 +4733,10 @@
       </p:sp>
       <p:pic>
         <p:nvPicPr>
-          <p:cNvPr id="5" name="Picture 4">
+          <p:cNvPr id="6" name="Picture 5">
             <a:extLst>
               <a:ext uri="{FF2B5EF4-FFF2-40B4-BE49-F238E27FC236}">
-                <a16:creationId xmlns:a16="http://schemas.microsoft.com/office/drawing/2014/main" id="{7A8107D8-F73D-4D8D-902C-37F65633364D}"/>
+                <a16:creationId xmlns:a16="http://schemas.microsoft.com/office/drawing/2014/main" id="{520D3561-0587-6E85-9AE7-AD36E2138B45}"/>
               </a:ext>
             </a:extLst>
           </p:cNvPr>
@@ -4620,8 +4753,8 @@
         </p:blipFill>
         <p:spPr>
           <a:xfrm>
-            <a:off x="4038600" y="2590800"/>
-            <a:ext cx="2819400" cy="3934417"/>
+            <a:off x="4572000" y="2438400"/>
+            <a:ext cx="3429000" cy="3933825"/>
           </a:xfrm>
           <a:prstGeom prst="rect">
             <a:avLst/>
@@ -4653,12 +4786,164 @@
           <a:chExt cx="0" cy="0"/>
         </a:xfrm>
       </p:grpSpPr>
+      <p:sp>
+        <p:nvSpPr>
+          <p:cNvPr id="11" name="TextBox 10">
+            <a:extLst>
+              <a:ext uri="{FF2B5EF4-FFF2-40B4-BE49-F238E27FC236}">
+                <a16:creationId xmlns:a16="http://schemas.microsoft.com/office/drawing/2014/main" id="{9696970A-ADF3-4008-8797-B0649C1D7035}"/>
+              </a:ext>
+            </a:extLst>
+          </p:cNvPr>
+          <p:cNvSpPr txBox="1"/>
+          <p:nvPr/>
+        </p:nvSpPr>
+        <p:spPr>
+          <a:xfrm>
+            <a:off x="457200" y="1219200"/>
+            <a:ext cx="4586514" cy="4428264"/>
+          </a:xfrm>
+          <a:prstGeom prst="rect">
+            <a:avLst/>
+          </a:prstGeom>
+          <a:noFill/>
+        </p:spPr>
+        <p:txBody>
+          <a:bodyPr wrap="square">
+            <a:spAutoFit/>
+          </a:bodyPr>
+          <a:lstStyle/>
+          <a:p>
+            <a:pPr marL="285750" indent="-285750">
+              <a:lnSpc>
+                <a:spcPct val="120000"/>
+              </a:lnSpc>
+              <a:buFont typeface="Arial" panose="020B0604020202020204" pitchFamily="34" charset="0"/>
+              <a:buChar char="•"/>
+            </a:pPr>
+            <a:r>
+              <a:rPr lang="en-US" sz="2000" dirty="0"/>
+              <a:t>Enter;</a:t>
+            </a:r>
+          </a:p>
+          <a:p>
+            <a:pPr marL="742950" lvl="1" indent="-285750">
+              <a:lnSpc>
+                <a:spcPct val="120000"/>
+              </a:lnSpc>
+              <a:buFont typeface="Arial" panose="020B0604020202020204" pitchFamily="34" charset="0"/>
+              <a:buChar char="•"/>
+            </a:pPr>
+            <a:r>
+              <a:rPr lang="en-US" dirty="0"/>
+              <a:t>Root user password</a:t>
+            </a:r>
+          </a:p>
+          <a:p>
+            <a:pPr marL="742950" lvl="1" indent="-285750">
+              <a:lnSpc>
+                <a:spcPct val="120000"/>
+              </a:lnSpc>
+              <a:buFont typeface="Arial" panose="020B0604020202020204" pitchFamily="34" charset="0"/>
+              <a:buChar char="•"/>
+            </a:pPr>
+            <a:r>
+              <a:rPr lang="en-US" dirty="0"/>
+              <a:t>Confirm root user password</a:t>
+            </a:r>
+          </a:p>
+          <a:p>
+            <a:pPr>
+              <a:lnSpc>
+                <a:spcPct val="120000"/>
+              </a:lnSpc>
+            </a:pPr>
+            <a:endParaRPr lang="en-US" b="1" dirty="0"/>
+          </a:p>
+          <a:p>
+            <a:pPr>
+              <a:lnSpc>
+                <a:spcPct val="120000"/>
+              </a:lnSpc>
+            </a:pPr>
+            <a:endParaRPr lang="en-US" b="1" dirty="0"/>
+          </a:p>
+          <a:p>
+            <a:pPr>
+              <a:lnSpc>
+                <a:spcPct val="120000"/>
+              </a:lnSpc>
+            </a:pPr>
+            <a:endParaRPr lang="en-US" b="1" dirty="0"/>
+          </a:p>
+          <a:p>
+            <a:pPr>
+              <a:lnSpc>
+                <a:spcPct val="120000"/>
+              </a:lnSpc>
+            </a:pPr>
+            <a:endParaRPr lang="en-US" b="1" dirty="0"/>
+          </a:p>
+          <a:p>
+            <a:pPr>
+              <a:lnSpc>
+                <a:spcPct val="120000"/>
+              </a:lnSpc>
+            </a:pPr>
+            <a:endParaRPr lang="en-US" b="1" dirty="0"/>
+          </a:p>
+          <a:p>
+            <a:pPr>
+              <a:lnSpc>
+                <a:spcPct val="120000"/>
+              </a:lnSpc>
+            </a:pPr>
+            <a:endParaRPr lang="en-US" b="1" dirty="0"/>
+          </a:p>
+          <a:p>
+            <a:pPr>
+              <a:lnSpc>
+                <a:spcPct val="120000"/>
+              </a:lnSpc>
+            </a:pPr>
+            <a:endParaRPr lang="en-US" b="1" dirty="0"/>
+          </a:p>
+          <a:p>
+            <a:pPr>
+              <a:lnSpc>
+                <a:spcPct val="120000"/>
+              </a:lnSpc>
+            </a:pPr>
+            <a:endParaRPr lang="en-US" b="1" dirty="0"/>
+          </a:p>
+          <a:p>
+            <a:pPr>
+              <a:lnSpc>
+                <a:spcPct val="120000"/>
+              </a:lnSpc>
+            </a:pPr>
+            <a:r>
+              <a:rPr lang="en-US" b="1" dirty="0"/>
+              <a:t>Click on Continue. </a:t>
+            </a:r>
+            <a:endParaRPr lang="en-US" sz="1600" dirty="0"/>
+          </a:p>
+          <a:p>
+            <a:pPr>
+              <a:lnSpc>
+                <a:spcPct val="120000"/>
+              </a:lnSpc>
+            </a:pPr>
+            <a:endParaRPr lang="en-US" dirty="0"/>
+          </a:p>
+        </p:txBody>
+      </p:sp>
       <p:pic>
         <p:nvPicPr>
-          <p:cNvPr id="3" name="Picture 2">
+          <p:cNvPr id="6" name="Picture 5">
             <a:extLst>
               <a:ext uri="{FF2B5EF4-FFF2-40B4-BE49-F238E27FC236}">
-                <a16:creationId xmlns:a16="http://schemas.microsoft.com/office/drawing/2014/main" id="{75BD2022-CC8E-4910-B913-4985DA41473A}"/>
+                <a16:creationId xmlns:a16="http://schemas.microsoft.com/office/drawing/2014/main" id="{4D4017A8-2296-E8C7-1EF9-D923689D8B9C}"/>
               </a:ext>
             </a:extLst>
           </p:cNvPr>
@@ -4675,14 +4960,39 @@
         </p:blipFill>
         <p:spPr>
           <a:xfrm>
-            <a:off x="5715000" y="1219200"/>
-            <a:ext cx="2421642" cy="5410200"/>
+            <a:off x="5361183" y="1236216"/>
+            <a:ext cx="3362325" cy="5143500"/>
           </a:xfrm>
           <a:prstGeom prst="rect">
             <a:avLst/>
           </a:prstGeom>
         </p:spPr>
       </p:pic>
+    </p:spTree>
+  </p:cSld>
+  <p:clrMapOvr>
+    <a:masterClrMapping/>
+  </p:clrMapOvr>
+</p:sld>
+</file>
+
+<file path=ppt/slides/slide4.xml><?xml version="1.0" encoding="utf-8"?>
+<p:sld xmlns:a="http://schemas.openxmlformats.org/drawingml/2006/main" xmlns:r="http://schemas.openxmlformats.org/officeDocument/2006/relationships" xmlns:p="http://schemas.openxmlformats.org/presentationml/2006/main">
+  <p:cSld>
+    <p:spTree>
+      <p:nvGrpSpPr>
+        <p:cNvPr id="1" name=""/>
+        <p:cNvGrpSpPr/>
+        <p:nvPr/>
+      </p:nvGrpSpPr>
+      <p:grpSpPr>
+        <a:xfrm>
+          <a:off x="0" y="0"/>
+          <a:ext cx="0" cy="0"/>
+          <a:chOff x="0" y="0"/>
+          <a:chExt cx="0" cy="0"/>
+        </a:xfrm>
+      </p:grpSpPr>
       <p:sp>
         <p:nvSpPr>
           <p:cNvPr id="11" name="TextBox 10">
@@ -4698,7 +5008,7 @@
         <p:spPr>
           <a:xfrm>
             <a:off x="457200" y="1219200"/>
-            <a:ext cx="4586514" cy="3765903"/>
+            <a:ext cx="5257800" cy="4834529"/>
           </a:xfrm>
           <a:prstGeom prst="rect">
             <a:avLst/>
@@ -4720,7 +5030,20 @@
             </a:pPr>
             <a:r>
               <a:rPr lang="en-US" sz="2000" dirty="0"/>
-              <a:t>Select Personal –for your own project</a:t>
+              <a:t>Select;</a:t>
+            </a:r>
+          </a:p>
+          <a:p>
+            <a:pPr marL="742950" lvl="1" indent="-285750">
+              <a:lnSpc>
+                <a:spcPct val="120000"/>
+              </a:lnSpc>
+              <a:buFont typeface="Arial" panose="020B0604020202020204" pitchFamily="34" charset="0"/>
+              <a:buChar char="•"/>
+            </a:pPr>
+            <a:r>
+              <a:rPr lang="en-US" sz="2000" dirty="0"/>
+              <a:t> Personal –for your own project</a:t>
             </a:r>
           </a:p>
           <a:p>
@@ -4828,6 +5151,32 @@
             </a:r>
           </a:p>
           <a:p>
+            <a:pPr marL="285750" indent="-285750">
+              <a:lnSpc>
+                <a:spcPct val="120000"/>
+              </a:lnSpc>
+              <a:buFont typeface="Arial" panose="020B0604020202020204" pitchFamily="34" charset="0"/>
+              <a:buChar char="•"/>
+            </a:pPr>
+            <a:r>
+              <a:rPr lang="en-US" dirty="0"/>
+              <a:t>Select;</a:t>
+            </a:r>
+          </a:p>
+          <a:p>
+            <a:pPr marL="742950" lvl="1" indent="-285750">
+              <a:lnSpc>
+                <a:spcPct val="120000"/>
+              </a:lnSpc>
+              <a:buFont typeface="Arial" panose="020B0604020202020204" pitchFamily="34" charset="0"/>
+              <a:buChar char="•"/>
+            </a:pPr>
+            <a:r>
+              <a:rPr lang="en-US" dirty="0"/>
+              <a:t>I have read and agree to the terms of the</a:t>
+            </a:r>
+          </a:p>
+          <a:p>
             <a:pPr>
               <a:lnSpc>
                 <a:spcPct val="120000"/>
@@ -4849,7 +5198,42 @@
           </a:p>
         </p:txBody>
       </p:sp>
+      <p:pic>
+        <p:nvPicPr>
+          <p:cNvPr id="4" name="Picture 3">
+            <a:extLst>
+              <a:ext uri="{FF2B5EF4-FFF2-40B4-BE49-F238E27FC236}">
+                <a16:creationId xmlns:a16="http://schemas.microsoft.com/office/drawing/2014/main" id="{FB7CE7BC-A691-CB65-9420-8EDAA952970F}"/>
+              </a:ext>
+            </a:extLst>
+          </p:cNvPr>
+          <p:cNvPicPr>
+            <a:picLocks noChangeAspect="1"/>
+          </p:cNvPicPr>
+          <p:nvPr/>
+        </p:nvPicPr>
+        <p:blipFill>
+          <a:blip r:embed="rId2"/>
+          <a:stretch>
+            <a:fillRect/>
+          </a:stretch>
+        </p:blipFill>
+        <p:spPr>
+          <a:xfrm>
+            <a:off x="6400800" y="914400"/>
+            <a:ext cx="2438400" cy="5878883"/>
+          </a:xfrm>
+          <a:prstGeom prst="rect">
+            <a:avLst/>
+          </a:prstGeom>
+        </p:spPr>
+      </p:pic>
     </p:spTree>
+    <p:extLst>
+      <p:ext uri="{BB962C8B-B14F-4D97-AF65-F5344CB8AC3E}">
+        <p14:creationId xmlns:p14="http://schemas.microsoft.com/office/powerpoint/2010/main" val="2851187379"/>
+      </p:ext>
+    </p:extLst>
   </p:cSld>
   <p:clrMapOvr>
     <a:masterClrMapping/>
@@ -4857,7 +5241,7 @@
 </p:sld>
 </file>
 
-<file path=ppt/slides/slide4.xml><?xml version="1.0" encoding="utf-8"?>
+<file path=ppt/slides/slide5.xml><?xml version="1.0" encoding="utf-8"?>
 <p:sld xmlns:a="http://schemas.openxmlformats.org/drawingml/2006/main" xmlns:r="http://schemas.openxmlformats.org/officeDocument/2006/relationships" xmlns:p="http://schemas.openxmlformats.org/presentationml/2006/main">
   <p:cSld>
     <p:spTree>
@@ -4960,7 +5344,7 @@
 </p:sld>
 </file>
 
-<file path=ppt/slides/slide5.xml><?xml version="1.0" encoding="utf-8"?>
+<file path=ppt/slides/slide6.xml><?xml version="1.0" encoding="utf-8"?>
 <p:sld xmlns:a="http://schemas.openxmlformats.org/drawingml/2006/main" xmlns:r="http://schemas.openxmlformats.org/officeDocument/2006/relationships" xmlns:p="http://schemas.openxmlformats.org/presentationml/2006/main">
   <p:cSld>
     <p:spTree>
@@ -5045,7 +5429,7 @@
 </p:sld>
 </file>
 
-<file path=ppt/slides/slide6.xml><?xml version="1.0" encoding="utf-8"?>
+<file path=ppt/slides/slide7.xml><?xml version="1.0" encoding="utf-8"?>
 <p:sld xmlns:a="http://schemas.openxmlformats.org/drawingml/2006/main" xmlns:r="http://schemas.openxmlformats.org/officeDocument/2006/relationships" xmlns:p="http://schemas.openxmlformats.org/presentationml/2006/main">
   <p:cSld>
     <p:spTree>
@@ -5165,7 +5549,7 @@
 </p:sld>
 </file>
 
-<file path=ppt/slides/slide7.xml><?xml version="1.0" encoding="utf-8"?>
+<file path=ppt/slides/slide8.xml><?xml version="1.0" encoding="utf-8"?>
 <p:sld xmlns:a="http://schemas.openxmlformats.org/drawingml/2006/main" xmlns:r="http://schemas.openxmlformats.org/officeDocument/2006/relationships" xmlns:p="http://schemas.openxmlformats.org/presentationml/2006/main">
   <p:cSld>
     <p:spTree>
@@ -5268,7 +5652,7 @@
 </p:sld>
 </file>
 
-<file path=ppt/slides/slide8.xml><?xml version="1.0" encoding="utf-8"?>
+<file path=ppt/slides/slide9.xml><?xml version="1.0" encoding="utf-8"?>
 <p:sld xmlns:a="http://schemas.openxmlformats.org/drawingml/2006/main" xmlns:r="http://schemas.openxmlformats.org/officeDocument/2006/relationships" xmlns:p="http://schemas.openxmlformats.org/presentationml/2006/main">
   <p:cSld>
     <p:spTree>
@@ -5362,91 +5746,6 @@
           <a:prstGeom prst="rect">
             <a:avLst/>
           </a:prstGeom>
-        </p:spPr>
-      </p:pic>
-    </p:spTree>
-  </p:cSld>
-  <p:clrMapOvr>
-    <a:masterClrMapping/>
-  </p:clrMapOvr>
-</p:sld>
-</file>
-
-<file path=ppt/slides/slide9.xml><?xml version="1.0" encoding="utf-8"?>
-<p:sld xmlns:a="http://schemas.openxmlformats.org/drawingml/2006/main" xmlns:r="http://schemas.openxmlformats.org/officeDocument/2006/relationships" xmlns:p="http://schemas.openxmlformats.org/presentationml/2006/main">
-  <p:cSld>
-    <p:spTree>
-      <p:nvGrpSpPr>
-        <p:cNvPr id="1" name=""/>
-        <p:cNvGrpSpPr/>
-        <p:nvPr/>
-      </p:nvGrpSpPr>
-      <p:grpSpPr>
-        <a:xfrm>
-          <a:off x="0" y="0"/>
-          <a:ext cx="0" cy="0"/>
-          <a:chOff x="0" y="0"/>
-          <a:chExt cx="0" cy="0"/>
-        </a:xfrm>
-      </p:grpSpPr>
-      <p:sp>
-        <p:nvSpPr>
-          <p:cNvPr id="2" name="Rectangle 1"/>
-          <p:cNvSpPr/>
-          <p:nvPr/>
-        </p:nvSpPr>
-        <p:spPr>
-          <a:xfrm>
-            <a:off x="762000" y="5943600"/>
-            <a:ext cx="7391400" cy="369332"/>
-          </a:xfrm>
-          <a:prstGeom prst="rect">
-            <a:avLst/>
-          </a:prstGeom>
-        </p:spPr>
-        <p:txBody>
-          <a:bodyPr wrap="square">
-            <a:spAutoFit/>
-          </a:bodyPr>
-          <a:lstStyle/>
-          <a:p>
-            <a:r>
-              <a:rPr lang="en-US" dirty="0"/>
-              <a:t>Once signed in you will get in to AWS console look like above. </a:t>
-            </a:r>
-          </a:p>
-        </p:txBody>
-      </p:sp>
-      <p:pic>
-        <p:nvPicPr>
-          <p:cNvPr id="9218" name="Picture 2"/>
-          <p:cNvPicPr>
-            <a:picLocks noChangeAspect="1" noChangeArrowheads="1"/>
-          </p:cNvPicPr>
-          <p:nvPr/>
-        </p:nvPicPr>
-        <p:blipFill>
-          <a:blip r:embed="rId2" cstate="print"/>
-          <a:srcRect/>
-          <a:stretch>
-            <a:fillRect/>
-          </a:stretch>
-        </p:blipFill>
-        <p:spPr bwMode="auto">
-          <a:xfrm>
-            <a:off x="762000" y="914400"/>
-            <a:ext cx="7696200" cy="4724400"/>
-          </a:xfrm>
-          <a:prstGeom prst="rect">
-            <a:avLst/>
-          </a:prstGeom>
-          <a:noFill/>
-          <a:ln w="9525">
-            <a:noFill/>
-            <a:miter lim="800000"/>
-            <a:headEnd/>
-            <a:tailEnd/>
-          </a:ln>
         </p:spPr>
       </p:pic>
     </p:spTree>
